--- a/input/content/llm-101.pptx
+++ b/input/content/llm-101.pptx
@@ -48,6 +48,13 @@
       <p:bold r:id="rId32"/>
       <p:italic r:id="rId33"/>
       <p:boldItalic r:id="rId34"/>
+    </p:embeddedFont>
+    <p:embeddedFont>
+      <p:font typeface="Century Gothic"/>
+      <p:regular r:id="rId35"/>
+      <p:bold r:id="rId36"/>
+      <p:italic r:id="rId37"/>
+      <p:boldItalic r:id="rId38"/>
     </p:embeddedFont>
   </p:embeddedFontLst>
   <p:defaultTextStyle>
@@ -729,7 +736,7 @@
   <p:cSld>
     <p:spTree>
       <p:nvGrpSpPr>
-        <p:cNvPr id="100" name="Shape 100"/>
+        <p:cNvPr id="103" name="Shape 103"/>
         <p:cNvGrpSpPr/>
         <p:nvPr/>
       </p:nvGrpSpPr>
@@ -743,7 +750,7 @@
       </p:grpSpPr>
       <p:sp>
         <p:nvSpPr>
-          <p:cNvPr id="101" name="Google Shape;101;g25a819114fe_0_227:notes"/>
+          <p:cNvPr id="104" name="Google Shape;104;g25a819114fe_0_227:notes"/>
           <p:cNvSpPr/>
           <p:nvPr>
             <p:ph idx="2" type="sldImg"/>
@@ -778,7 +785,7 @@
       </p:sp>
       <p:sp>
         <p:nvSpPr>
-          <p:cNvPr id="102" name="Google Shape;102;g25a819114fe_0_227:notes"/>
+          <p:cNvPr id="105" name="Google Shape;105;g25a819114fe_0_227:notes"/>
           <p:cNvSpPr txBox="1"/>
           <p:nvPr>
             <p:ph idx="1" type="body"/>
@@ -828,7 +835,7 @@
   <p:cSld>
     <p:spTree>
       <p:nvGrpSpPr>
-        <p:cNvPr id="154" name="Shape 154"/>
+        <p:cNvPr id="157" name="Shape 157"/>
         <p:cNvGrpSpPr/>
         <p:nvPr/>
       </p:nvGrpSpPr>
@@ -842,7 +849,7 @@
       </p:grpSpPr>
       <p:sp>
         <p:nvSpPr>
-          <p:cNvPr id="155" name="Google Shape;155;g25f0ebb7f64_0_10:notes"/>
+          <p:cNvPr id="158" name="Google Shape;158;g25f0ebb7f64_0_10:notes"/>
           <p:cNvSpPr/>
           <p:nvPr>
             <p:ph idx="2" type="sldImg"/>
@@ -877,7 +884,7 @@
       </p:sp>
       <p:sp>
         <p:nvSpPr>
-          <p:cNvPr id="156" name="Google Shape;156;g25f0ebb7f64_0_10:notes"/>
+          <p:cNvPr id="159" name="Google Shape;159;g25f0ebb7f64_0_10:notes"/>
           <p:cNvSpPr txBox="1"/>
           <p:nvPr>
             <p:ph idx="1" type="body"/>
@@ -927,7 +934,7 @@
   <p:cSld>
     <p:spTree>
       <p:nvGrpSpPr>
-        <p:cNvPr id="160" name="Shape 160"/>
+        <p:cNvPr id="163" name="Shape 163"/>
         <p:cNvGrpSpPr/>
         <p:nvPr/>
       </p:nvGrpSpPr>
@@ -941,7 +948,7 @@
       </p:grpSpPr>
       <p:sp>
         <p:nvSpPr>
-          <p:cNvPr id="161" name="Google Shape;161;g25f0ebb7f64_0_53:notes"/>
+          <p:cNvPr id="164" name="Google Shape;164;g25f0ebb7f64_0_53:notes"/>
           <p:cNvSpPr/>
           <p:nvPr>
             <p:ph idx="2" type="sldImg"/>
@@ -976,7 +983,7 @@
       </p:sp>
       <p:sp>
         <p:nvSpPr>
-          <p:cNvPr id="162" name="Google Shape;162;g25f0ebb7f64_0_53:notes"/>
+          <p:cNvPr id="165" name="Google Shape;165;g25f0ebb7f64_0_53:notes"/>
           <p:cNvSpPr txBox="1"/>
           <p:nvPr>
             <p:ph idx="1" type="body"/>
@@ -1026,7 +1033,7 @@
   <p:cSld>
     <p:spTree>
       <p:nvGrpSpPr>
-        <p:cNvPr id="185" name="Shape 185"/>
+        <p:cNvPr id="188" name="Shape 188"/>
         <p:cNvGrpSpPr/>
         <p:nvPr/>
       </p:nvGrpSpPr>
@@ -1040,7 +1047,7 @@
       </p:grpSpPr>
       <p:sp>
         <p:nvSpPr>
-          <p:cNvPr id="186" name="Google Shape;186;g25f0ebb7f64_0_15:notes"/>
+          <p:cNvPr id="189" name="Google Shape;189;g25f0ebb7f64_0_15:notes"/>
           <p:cNvSpPr/>
           <p:nvPr>
             <p:ph idx="2" type="sldImg"/>
@@ -1075,7 +1082,7 @@
       </p:sp>
       <p:sp>
         <p:nvSpPr>
-          <p:cNvPr id="187" name="Google Shape;187;g25f0ebb7f64_0_15:notes"/>
+          <p:cNvPr id="190" name="Google Shape;190;g25f0ebb7f64_0_15:notes"/>
           <p:cNvSpPr txBox="1"/>
           <p:nvPr>
             <p:ph idx="1" type="body"/>
@@ -1126,7 +1133,7 @@
   <p:cSld>
     <p:spTree>
       <p:nvGrpSpPr>
-        <p:cNvPr id="224" name="Shape 224"/>
+        <p:cNvPr id="227" name="Shape 227"/>
         <p:cNvGrpSpPr/>
         <p:nvPr/>
       </p:nvGrpSpPr>
@@ -1140,7 +1147,7 @@
       </p:grpSpPr>
       <p:sp>
         <p:nvSpPr>
-          <p:cNvPr id="225" name="Google Shape;225;g25f0ebb7f64_0_5:notes"/>
+          <p:cNvPr id="228" name="Google Shape;228;g25f0ebb7f64_0_5:notes"/>
           <p:cNvSpPr/>
           <p:nvPr>
             <p:ph idx="2" type="sldImg"/>
@@ -1175,7 +1182,7 @@
       </p:sp>
       <p:sp>
         <p:nvSpPr>
-          <p:cNvPr id="226" name="Google Shape;226;g25f0ebb7f64_0_5:notes"/>
+          <p:cNvPr id="229" name="Google Shape;229;g25f0ebb7f64_0_5:notes"/>
           <p:cNvSpPr txBox="1"/>
           <p:nvPr>
             <p:ph idx="1" type="body"/>
@@ -1225,7 +1232,7 @@
   <p:cSld>
     <p:spTree>
       <p:nvGrpSpPr>
-        <p:cNvPr id="230" name="Shape 230"/>
+        <p:cNvPr id="233" name="Shape 233"/>
         <p:cNvGrpSpPr/>
         <p:nvPr/>
       </p:nvGrpSpPr>
@@ -1239,7 +1246,7 @@
       </p:grpSpPr>
       <p:sp>
         <p:nvSpPr>
-          <p:cNvPr id="231" name="Google Shape;231;g25f0ebb7f64_0_77:notes"/>
+          <p:cNvPr id="234" name="Google Shape;234;g25f0ebb7f64_0_77:notes"/>
           <p:cNvSpPr/>
           <p:nvPr>
             <p:ph idx="2" type="sldImg"/>
@@ -1274,7 +1281,7 @@
       </p:sp>
       <p:sp>
         <p:nvSpPr>
-          <p:cNvPr id="232" name="Google Shape;232;g25f0ebb7f64_0_77:notes"/>
+          <p:cNvPr id="235" name="Google Shape;235;g25f0ebb7f64_0_77:notes"/>
           <p:cNvSpPr txBox="1"/>
           <p:nvPr>
             <p:ph idx="1" type="body"/>
@@ -1324,7 +1331,7 @@
   <p:cSld>
     <p:spTree>
       <p:nvGrpSpPr>
-        <p:cNvPr id="236" name="Shape 236"/>
+        <p:cNvPr id="239" name="Shape 239"/>
         <p:cNvGrpSpPr/>
         <p:nvPr/>
       </p:nvGrpSpPr>
@@ -1338,7 +1345,7 @@
       </p:grpSpPr>
       <p:sp>
         <p:nvSpPr>
-          <p:cNvPr id="237" name="Google Shape;237;g25f0ebb7f64_0_0:notes"/>
+          <p:cNvPr id="240" name="Google Shape;240;g25f0ebb7f64_0_0:notes"/>
           <p:cNvSpPr/>
           <p:nvPr>
             <p:ph idx="2" type="sldImg"/>
@@ -1373,7 +1380,7 @@
       </p:sp>
       <p:sp>
         <p:nvSpPr>
-          <p:cNvPr id="238" name="Google Shape;238;g25f0ebb7f64_0_0:notes"/>
+          <p:cNvPr id="241" name="Google Shape;241;g25f0ebb7f64_0_0:notes"/>
           <p:cNvSpPr txBox="1"/>
           <p:nvPr>
             <p:ph idx="1" type="body"/>
@@ -1423,7 +1430,7 @@
   <p:cSld>
     <p:spTree>
       <p:nvGrpSpPr>
-        <p:cNvPr id="106" name="Shape 106"/>
+        <p:cNvPr id="109" name="Shape 109"/>
         <p:cNvGrpSpPr/>
         <p:nvPr/>
       </p:nvGrpSpPr>
@@ -1437,7 +1444,7 @@
       </p:grpSpPr>
       <p:sp>
         <p:nvSpPr>
-          <p:cNvPr id="107" name="Google Shape;107;g237f3d298fd_0_5:notes"/>
+          <p:cNvPr id="110" name="Google Shape;110;g237f3d298fd_0_5:notes"/>
           <p:cNvSpPr/>
           <p:nvPr>
             <p:ph idx="2" type="sldImg"/>
@@ -1472,7 +1479,7 @@
       </p:sp>
       <p:sp>
         <p:nvSpPr>
-          <p:cNvPr id="108" name="Google Shape;108;g237f3d298fd_0_5:notes"/>
+          <p:cNvPr id="111" name="Google Shape;111;g237f3d298fd_0_5:notes"/>
           <p:cNvSpPr txBox="1"/>
           <p:nvPr>
             <p:ph idx="1" type="body"/>
@@ -1522,7 +1529,7 @@
   <p:cSld>
     <p:spTree>
       <p:nvGrpSpPr>
-        <p:cNvPr id="112" name="Shape 112"/>
+        <p:cNvPr id="115" name="Shape 115"/>
         <p:cNvGrpSpPr/>
         <p:nvPr/>
       </p:nvGrpSpPr>
@@ -1536,7 +1543,7 @@
       </p:grpSpPr>
       <p:sp>
         <p:nvSpPr>
-          <p:cNvPr id="113" name="Google Shape;113;g237f3d298fd_1_1:notes"/>
+          <p:cNvPr id="116" name="Google Shape;116;g237f3d298fd_1_1:notes"/>
           <p:cNvSpPr/>
           <p:nvPr>
             <p:ph idx="2" type="sldImg"/>
@@ -1571,7 +1578,7 @@
       </p:sp>
       <p:sp>
         <p:nvSpPr>
-          <p:cNvPr id="114" name="Google Shape;114;g237f3d298fd_1_1:notes"/>
+          <p:cNvPr id="117" name="Google Shape;117;g237f3d298fd_1_1:notes"/>
           <p:cNvSpPr txBox="1"/>
           <p:nvPr>
             <p:ph idx="1" type="body"/>
@@ -1621,7 +1628,7 @@
   <p:cSld>
     <p:spTree>
       <p:nvGrpSpPr>
-        <p:cNvPr id="118" name="Shape 118"/>
+        <p:cNvPr id="121" name="Shape 121"/>
         <p:cNvGrpSpPr/>
         <p:nvPr/>
       </p:nvGrpSpPr>
@@ -1635,7 +1642,7 @@
       </p:grpSpPr>
       <p:sp>
         <p:nvSpPr>
-          <p:cNvPr id="119" name="Google Shape;119;g237f3d298fd_0_15:notes"/>
+          <p:cNvPr id="122" name="Google Shape;122;g237f3d298fd_0_15:notes"/>
           <p:cNvSpPr/>
           <p:nvPr>
             <p:ph idx="2" type="sldImg"/>
@@ -1670,7 +1677,7 @@
       </p:sp>
       <p:sp>
         <p:nvSpPr>
-          <p:cNvPr id="120" name="Google Shape;120;g237f3d298fd_0_15:notes"/>
+          <p:cNvPr id="123" name="Google Shape;123;g237f3d298fd_0_15:notes"/>
           <p:cNvSpPr txBox="1"/>
           <p:nvPr>
             <p:ph idx="1" type="body"/>
@@ -1720,7 +1727,7 @@
   <p:cSld>
     <p:spTree>
       <p:nvGrpSpPr>
-        <p:cNvPr id="124" name="Shape 124"/>
+        <p:cNvPr id="127" name="Shape 127"/>
         <p:cNvGrpSpPr/>
         <p:nvPr/>
       </p:nvGrpSpPr>
@@ -1734,7 +1741,7 @@
       </p:grpSpPr>
       <p:sp>
         <p:nvSpPr>
-          <p:cNvPr id="125" name="Google Shape;125;g237f3d298fd_1_13:notes"/>
+          <p:cNvPr id="128" name="Google Shape;128;g237f3d298fd_1_13:notes"/>
           <p:cNvSpPr/>
           <p:nvPr>
             <p:ph idx="2" type="sldImg"/>
@@ -1769,7 +1776,7 @@
       </p:sp>
       <p:sp>
         <p:nvSpPr>
-          <p:cNvPr id="126" name="Google Shape;126;g237f3d298fd_1_13:notes"/>
+          <p:cNvPr id="129" name="Google Shape;129;g237f3d298fd_1_13:notes"/>
           <p:cNvSpPr txBox="1"/>
           <p:nvPr>
             <p:ph idx="1" type="body"/>
@@ -1819,7 +1826,7 @@
   <p:cSld>
     <p:spTree>
       <p:nvGrpSpPr>
-        <p:cNvPr id="130" name="Shape 130"/>
+        <p:cNvPr id="133" name="Shape 133"/>
         <p:cNvGrpSpPr/>
         <p:nvPr/>
       </p:nvGrpSpPr>
@@ -1833,7 +1840,7 @@
       </p:grpSpPr>
       <p:sp>
         <p:nvSpPr>
-          <p:cNvPr id="131" name="Google Shape;131;g237f3d298fd_1_20:notes"/>
+          <p:cNvPr id="134" name="Google Shape;134;g237f3d298fd_1_20:notes"/>
           <p:cNvSpPr/>
           <p:nvPr>
             <p:ph idx="2" type="sldImg"/>
@@ -1868,7 +1875,7 @@
       </p:sp>
       <p:sp>
         <p:nvSpPr>
-          <p:cNvPr id="132" name="Google Shape;132;g237f3d298fd_1_20:notes"/>
+          <p:cNvPr id="135" name="Google Shape;135;g237f3d298fd_1_20:notes"/>
           <p:cNvSpPr txBox="1"/>
           <p:nvPr>
             <p:ph idx="1" type="body"/>
@@ -1918,7 +1925,7 @@
   <p:cSld>
     <p:spTree>
       <p:nvGrpSpPr>
-        <p:cNvPr id="136" name="Shape 136"/>
+        <p:cNvPr id="139" name="Shape 139"/>
         <p:cNvGrpSpPr/>
         <p:nvPr/>
       </p:nvGrpSpPr>
@@ -1932,7 +1939,7 @@
       </p:grpSpPr>
       <p:sp>
         <p:nvSpPr>
-          <p:cNvPr id="137" name="Google Shape;137;g237f3d298fd_1_25:notes"/>
+          <p:cNvPr id="140" name="Google Shape;140;g237f3d298fd_1_25:notes"/>
           <p:cNvSpPr/>
           <p:nvPr>
             <p:ph idx="2" type="sldImg"/>
@@ -1967,7 +1974,7 @@
       </p:sp>
       <p:sp>
         <p:nvSpPr>
-          <p:cNvPr id="138" name="Google Shape;138;g237f3d298fd_1_25:notes"/>
+          <p:cNvPr id="141" name="Google Shape;141;g237f3d298fd_1_25:notes"/>
           <p:cNvSpPr txBox="1"/>
           <p:nvPr>
             <p:ph idx="1" type="body"/>
@@ -2017,7 +2024,7 @@
   <p:cSld>
     <p:spTree>
       <p:nvGrpSpPr>
-        <p:cNvPr id="142" name="Shape 142"/>
+        <p:cNvPr id="145" name="Shape 145"/>
         <p:cNvGrpSpPr/>
         <p:nvPr/>
       </p:nvGrpSpPr>
@@ -2031,7 +2038,7 @@
       </p:grpSpPr>
       <p:sp>
         <p:nvSpPr>
-          <p:cNvPr id="143" name="Google Shape;143;g237f3d298fd_0_22:notes"/>
+          <p:cNvPr id="146" name="Google Shape;146;g237f3d298fd_0_22:notes"/>
           <p:cNvSpPr/>
           <p:nvPr>
             <p:ph idx="2" type="sldImg"/>
@@ -2066,7 +2073,7 @@
       </p:sp>
       <p:sp>
         <p:nvSpPr>
-          <p:cNvPr id="144" name="Google Shape;144;g237f3d298fd_0_22:notes"/>
+          <p:cNvPr id="147" name="Google Shape;147;g237f3d298fd_0_22:notes"/>
           <p:cNvSpPr txBox="1"/>
           <p:nvPr>
             <p:ph idx="1" type="body"/>
@@ -2116,7 +2123,7 @@
   <p:cSld>
     <p:spTree>
       <p:nvGrpSpPr>
-        <p:cNvPr id="148" name="Shape 148"/>
+        <p:cNvPr id="151" name="Shape 151"/>
         <p:cNvGrpSpPr/>
         <p:nvPr/>
       </p:nvGrpSpPr>
@@ -2130,7 +2137,7 @@
       </p:grpSpPr>
       <p:sp>
         <p:nvSpPr>
-          <p:cNvPr id="149" name="Google Shape;149;g237f3d298fd_1_7:notes"/>
+          <p:cNvPr id="152" name="Google Shape;152;g237f3d298fd_1_7:notes"/>
           <p:cNvSpPr/>
           <p:nvPr>
             <p:ph idx="2" type="sldImg"/>
@@ -2165,7 +2172,7 @@
       </p:sp>
       <p:sp>
         <p:nvSpPr>
-          <p:cNvPr id="150" name="Google Shape;150;g237f3d298fd_1_7:notes"/>
+          <p:cNvPr id="153" name="Google Shape;153;g237f3d298fd_1_7:notes"/>
           <p:cNvSpPr txBox="1"/>
           <p:nvPr>
             <p:ph idx="1" type="body"/>
@@ -3724,6 +3731,119 @@
           </a:p>
         </p:txBody>
       </p:sp>
+      <p:grpSp>
+        <p:nvGrpSpPr>
+          <p:cNvPr id="60" name="Google Shape;60;p14"/>
+          <p:cNvGrpSpPr/>
+          <p:nvPr/>
+        </p:nvGrpSpPr>
+        <p:grpSpPr>
+          <a:xfrm>
+            <a:off x="338952" y="4663225"/>
+            <a:ext cx="1519010" cy="338700"/>
+            <a:chOff x="338950" y="4663225"/>
+            <a:chExt cx="1446125" cy="338700"/>
+          </a:xfrm>
+        </p:grpSpPr>
+        <p:pic>
+          <p:nvPicPr>
+            <p:cNvPr id="61" name="Google Shape;61;p14"/>
+            <p:cNvPicPr preferRelativeResize="0"/>
+            <p:nvPr/>
+          </p:nvPicPr>
+          <p:blipFill>
+            <a:blip r:embed="rId2">
+              <a:alphaModFix/>
+            </a:blip>
+            <a:stretch>
+              <a:fillRect/>
+            </a:stretch>
+          </p:blipFill>
+          <p:spPr>
+            <a:xfrm>
+              <a:off x="338950" y="4731387"/>
+              <a:ext cx="266850" cy="257275"/>
+            </a:xfrm>
+            <a:prstGeom prst="rect">
+              <a:avLst/>
+            </a:prstGeom>
+            <a:noFill/>
+            <a:ln>
+              <a:noFill/>
+            </a:ln>
+          </p:spPr>
+        </p:pic>
+        <p:sp>
+          <p:nvSpPr>
+            <p:cNvPr id="62" name="Google Shape;62;p14"/>
+            <p:cNvSpPr txBox="1"/>
+            <p:nvPr/>
+          </p:nvSpPr>
+          <p:spPr>
+            <a:xfrm>
+              <a:off x="534375" y="4663225"/>
+              <a:ext cx="1250700" cy="338700"/>
+            </a:xfrm>
+            <a:prstGeom prst="rect">
+              <a:avLst/>
+            </a:prstGeom>
+            <a:noFill/>
+            <a:ln>
+              <a:noFill/>
+            </a:ln>
+          </p:spPr>
+          <p:txBody>
+            <a:bodyPr anchorCtr="0" anchor="t" bIns="91425" lIns="91425" spcFirstLastPara="1" rIns="91425" wrap="square" tIns="91425">
+              <a:spAutoFit/>
+            </a:bodyPr>
+            <a:lstStyle/>
+            <a:p>
+              <a:pPr indent="0" lvl="0" marL="0" rtl="0" algn="l">
+                <a:spcBef>
+                  <a:spcPts val="0"/>
+                </a:spcBef>
+                <a:spcAft>
+                  <a:spcPts val="0"/>
+                </a:spcAft>
+                <a:buNone/>
+              </a:pPr>
+              <a:r>
+                <a:rPr b="1" lang="en" sz="1000">
+                  <a:solidFill>
+                    <a:srgbClr val="E69138"/>
+                  </a:solidFill>
+                  <a:latin typeface="Century Gothic"/>
+                  <a:ea typeface="Century Gothic"/>
+                  <a:cs typeface="Century Gothic"/>
+                  <a:sym typeface="Century Gothic"/>
+                </a:rPr>
+                <a:t>Data</a:t>
+              </a:r>
+              <a:r>
+                <a:rPr b="1" lang="en" sz="1000">
+                  <a:solidFill>
+                    <a:srgbClr val="599BD5"/>
+                  </a:solidFill>
+                  <a:latin typeface="Century Gothic"/>
+                  <a:ea typeface="Century Gothic"/>
+                  <a:cs typeface="Century Gothic"/>
+                  <a:sym typeface="Century Gothic"/>
+                </a:rPr>
+                <a:t>knobs</a:t>
+              </a:r>
+              <a:endParaRPr b="1" sz="1000">
+                <a:solidFill>
+                  <a:srgbClr val="599BD5"/>
+                </a:solidFill>
+                <a:latin typeface="Century Gothic"/>
+                <a:ea typeface="Century Gothic"/>
+                <a:cs typeface="Century Gothic"/>
+                <a:sym typeface="Century Gothic"/>
+              </a:endParaRPr>
+            </a:p>
+          </p:txBody>
+        </p:sp>
+      </p:grpSp>
     </p:spTree>
   </p:cSld>
   <p:clrMapOvr>
@@ -3744,7 +3864,7 @@
     </p:bg>
     <p:spTree>
       <p:nvGrpSpPr>
-        <p:cNvPr id="60" name="Shape 60"/>
+        <p:cNvPr id="63" name="Shape 63"/>
         <p:cNvGrpSpPr/>
         <p:nvPr/>
       </p:nvGrpSpPr>
@@ -3758,7 +3878,7 @@
       </p:grpSpPr>
       <p:sp>
         <p:nvSpPr>
-          <p:cNvPr id="61" name="Google Shape;61;p15"/>
+          <p:cNvPr id="64" name="Google Shape;64;p15"/>
           <p:cNvSpPr txBox="1"/>
           <p:nvPr>
             <p:ph type="title"/>
@@ -3991,7 +4111,7 @@
       </p:sp>
       <p:sp>
         <p:nvSpPr>
-          <p:cNvPr id="62" name="Google Shape;62;p15"/>
+          <p:cNvPr id="65" name="Google Shape;65;p15"/>
           <p:cNvSpPr txBox="1"/>
           <p:nvPr>
             <p:ph idx="12" type="sldNum"/>
@@ -4115,7 +4235,7 @@
   <p:cSld name="TITLE_AND_BODY">
     <p:spTree>
       <p:nvGrpSpPr>
-        <p:cNvPr id="63" name="Shape 63"/>
+        <p:cNvPr id="66" name="Shape 66"/>
         <p:cNvGrpSpPr/>
         <p:nvPr/>
       </p:nvGrpSpPr>
@@ -4129,7 +4249,7 @@
       </p:grpSpPr>
       <p:sp>
         <p:nvSpPr>
-          <p:cNvPr id="64" name="Google Shape;64;p16"/>
+          <p:cNvPr id="67" name="Google Shape;67;p16"/>
           <p:cNvSpPr/>
           <p:nvPr/>
         </p:nvSpPr>
@@ -4172,7 +4292,7 @@
       </p:sp>
       <p:sp>
         <p:nvSpPr>
-          <p:cNvPr id="65" name="Google Shape;65;p16"/>
+          <p:cNvPr id="68" name="Google Shape;68;p16"/>
           <p:cNvSpPr txBox="1"/>
           <p:nvPr>
             <p:ph type="title"/>
@@ -4297,7 +4417,7 @@
       </p:sp>
       <p:sp>
         <p:nvSpPr>
-          <p:cNvPr id="66" name="Google Shape;66;p16"/>
+          <p:cNvPr id="69" name="Google Shape;69;p16"/>
           <p:cNvSpPr txBox="1"/>
           <p:nvPr>
             <p:ph idx="1" type="body"/>
@@ -4422,7 +4542,7 @@
       </p:sp>
       <p:sp>
         <p:nvSpPr>
-          <p:cNvPr id="67" name="Google Shape;67;p16"/>
+          <p:cNvPr id="70" name="Google Shape;70;p16"/>
           <p:cNvSpPr txBox="1"/>
           <p:nvPr>
             <p:ph idx="12" type="sldNum"/>
@@ -4510,7 +4630,7 @@
   <p:cSld name="TITLE_AND_TWO_COLUMNS">
     <p:spTree>
       <p:nvGrpSpPr>
-        <p:cNvPr id="68" name="Shape 68"/>
+        <p:cNvPr id="71" name="Shape 71"/>
         <p:cNvGrpSpPr/>
         <p:nvPr/>
       </p:nvGrpSpPr>
@@ -4524,7 +4644,7 @@
       </p:grpSpPr>
       <p:sp>
         <p:nvSpPr>
-          <p:cNvPr id="69" name="Google Shape;69;p17"/>
+          <p:cNvPr id="72" name="Google Shape;72;p17"/>
           <p:cNvSpPr txBox="1"/>
           <p:nvPr>
             <p:ph type="title"/>
@@ -4649,7 +4769,7 @@
       </p:sp>
       <p:sp>
         <p:nvSpPr>
-          <p:cNvPr id="70" name="Google Shape;70;p17"/>
+          <p:cNvPr id="73" name="Google Shape;73;p17"/>
           <p:cNvSpPr txBox="1"/>
           <p:nvPr>
             <p:ph idx="1" type="body"/>
@@ -4774,7 +4894,7 @@
       </p:sp>
       <p:sp>
         <p:nvSpPr>
-          <p:cNvPr id="71" name="Google Shape;71;p17"/>
+          <p:cNvPr id="74" name="Google Shape;74;p17"/>
           <p:cNvSpPr txBox="1"/>
           <p:nvPr>
             <p:ph idx="2" type="body"/>
@@ -4899,7 +5019,7 @@
       </p:sp>
       <p:sp>
         <p:nvSpPr>
-          <p:cNvPr id="72" name="Google Shape;72;p17"/>
+          <p:cNvPr id="75" name="Google Shape;75;p17"/>
           <p:cNvSpPr txBox="1"/>
           <p:nvPr>
             <p:ph idx="12" type="sldNum"/>
@@ -4987,7 +5107,7 @@
   <p:cSld name="TITLE_ONLY">
     <p:spTree>
       <p:nvGrpSpPr>
-        <p:cNvPr id="73" name="Shape 73"/>
+        <p:cNvPr id="76" name="Shape 76"/>
         <p:cNvGrpSpPr/>
         <p:nvPr/>
       </p:nvGrpSpPr>
@@ -5001,7 +5121,7 @@
       </p:grpSpPr>
       <p:sp>
         <p:nvSpPr>
-          <p:cNvPr id="74" name="Google Shape;74;p18"/>
+          <p:cNvPr id="77" name="Google Shape;77;p18"/>
           <p:cNvSpPr txBox="1"/>
           <p:nvPr>
             <p:ph type="title"/>
@@ -5126,7 +5246,7 @@
       </p:sp>
       <p:sp>
         <p:nvSpPr>
-          <p:cNvPr id="75" name="Google Shape;75;p18"/>
+          <p:cNvPr id="78" name="Google Shape;78;p18"/>
           <p:cNvSpPr txBox="1"/>
           <p:nvPr>
             <p:ph idx="12" type="sldNum"/>
@@ -5214,7 +5334,7 @@
   <p:cSld name="ONE_COLUMN_TEXT">
     <p:spTree>
       <p:nvGrpSpPr>
-        <p:cNvPr id="76" name="Shape 76"/>
+        <p:cNvPr id="79" name="Shape 79"/>
         <p:cNvGrpSpPr/>
         <p:nvPr/>
       </p:nvGrpSpPr>
@@ -5228,7 +5348,7 @@
       </p:grpSpPr>
       <p:sp>
         <p:nvSpPr>
-          <p:cNvPr id="77" name="Google Shape;77;p19"/>
+          <p:cNvPr id="80" name="Google Shape;80;p19"/>
           <p:cNvSpPr txBox="1"/>
           <p:nvPr>
             <p:ph type="title"/>
@@ -5353,7 +5473,7 @@
       </p:sp>
       <p:sp>
         <p:nvSpPr>
-          <p:cNvPr id="78" name="Google Shape;78;p19"/>
+          <p:cNvPr id="81" name="Google Shape;81;p19"/>
           <p:cNvSpPr txBox="1"/>
           <p:nvPr>
             <p:ph idx="1" type="body"/>
@@ -5478,7 +5598,7 @@
       </p:sp>
       <p:sp>
         <p:nvSpPr>
-          <p:cNvPr id="79" name="Google Shape;79;p19"/>
+          <p:cNvPr id="82" name="Google Shape;82;p19"/>
           <p:cNvSpPr txBox="1"/>
           <p:nvPr>
             <p:ph idx="12" type="sldNum"/>
@@ -5573,7 +5693,7 @@
     </p:bg>
     <p:spTree>
       <p:nvGrpSpPr>
-        <p:cNvPr id="80" name="Shape 80"/>
+        <p:cNvPr id="83" name="Shape 83"/>
         <p:cNvGrpSpPr/>
         <p:nvPr/>
       </p:nvGrpSpPr>
@@ -5587,7 +5707,7 @@
       </p:grpSpPr>
       <p:sp>
         <p:nvSpPr>
-          <p:cNvPr id="81" name="Google Shape;81;p20"/>
+          <p:cNvPr id="84" name="Google Shape;84;p20"/>
           <p:cNvSpPr txBox="1"/>
           <p:nvPr>
             <p:ph type="title"/>
@@ -5820,7 +5940,7 @@
       </p:sp>
       <p:sp>
         <p:nvSpPr>
-          <p:cNvPr id="82" name="Google Shape;82;p20"/>
+          <p:cNvPr id="85" name="Google Shape;85;p20"/>
           <p:cNvSpPr txBox="1"/>
           <p:nvPr>
             <p:ph idx="12" type="sldNum"/>
@@ -5944,7 +6064,7 @@
   <p:cSld name="SECTION_TITLE_AND_DESCRIPTION">
     <p:spTree>
       <p:nvGrpSpPr>
-        <p:cNvPr id="83" name="Shape 83"/>
+        <p:cNvPr id="86" name="Shape 86"/>
         <p:cNvGrpSpPr/>
         <p:nvPr/>
       </p:nvGrpSpPr>
@@ -5958,7 +6078,7 @@
       </p:grpSpPr>
       <p:sp>
         <p:nvSpPr>
-          <p:cNvPr id="84" name="Google Shape;84;p21"/>
+          <p:cNvPr id="87" name="Google Shape;87;p21"/>
           <p:cNvSpPr/>
           <p:nvPr/>
         </p:nvSpPr>
@@ -6001,7 +6121,7 @@
       </p:sp>
       <p:cxnSp>
         <p:nvCxnSpPr>
-          <p:cNvPr id="85" name="Google Shape;85;p21"/>
+          <p:cNvPr id="88" name="Google Shape;88;p21"/>
           <p:cNvCxnSpPr/>
           <p:nvPr/>
         </p:nvCxnSpPr>
@@ -6027,7 +6147,7 @@
       </p:cxnSp>
       <p:sp>
         <p:nvSpPr>
-          <p:cNvPr id="86" name="Google Shape;86;p21"/>
+          <p:cNvPr id="89" name="Google Shape;89;p21"/>
           <p:cNvSpPr txBox="1"/>
           <p:nvPr>
             <p:ph type="title"/>
@@ -6152,7 +6272,7 @@
       </p:sp>
       <p:sp>
         <p:nvSpPr>
-          <p:cNvPr id="87" name="Google Shape;87;p21"/>
+          <p:cNvPr id="90" name="Google Shape;90;p21"/>
           <p:cNvSpPr txBox="1"/>
           <p:nvPr>
             <p:ph idx="1" type="subTitle"/>
@@ -6304,7 +6424,7 @@
       </p:sp>
       <p:sp>
         <p:nvSpPr>
-          <p:cNvPr id="88" name="Google Shape;88;p21"/>
+          <p:cNvPr id="91" name="Google Shape;91;p21"/>
           <p:cNvSpPr txBox="1"/>
           <p:nvPr>
             <p:ph idx="2" type="body"/>
@@ -6492,7 +6612,7 @@
       </p:sp>
       <p:sp>
         <p:nvSpPr>
-          <p:cNvPr id="89" name="Google Shape;89;p21"/>
+          <p:cNvPr id="92" name="Google Shape;92;p21"/>
           <p:cNvSpPr txBox="1"/>
           <p:nvPr>
             <p:ph idx="12" type="sldNum"/>
@@ -6843,7 +6963,7 @@
   <p:cSld name="CAPTION_ONLY">
     <p:spTree>
       <p:nvGrpSpPr>
-        <p:cNvPr id="90" name="Shape 90"/>
+        <p:cNvPr id="93" name="Shape 93"/>
         <p:cNvGrpSpPr/>
         <p:nvPr/>
       </p:nvGrpSpPr>
@@ -6857,7 +6977,7 @@
       </p:grpSpPr>
       <p:sp>
         <p:nvSpPr>
-          <p:cNvPr id="91" name="Google Shape;91;p22"/>
+          <p:cNvPr id="94" name="Google Shape;94;p22"/>
           <p:cNvSpPr txBox="1"/>
           <p:nvPr>
             <p:ph idx="1" type="body"/>
@@ -6897,7 +7017,7 @@
       </p:sp>
       <p:sp>
         <p:nvSpPr>
-          <p:cNvPr id="92" name="Google Shape;92;p22"/>
+          <p:cNvPr id="95" name="Google Shape;95;p22"/>
           <p:cNvSpPr txBox="1"/>
           <p:nvPr>
             <p:ph idx="12" type="sldNum"/>
@@ -6985,7 +7105,7 @@
   <p:cSld name="BIG_NUMBER">
     <p:spTree>
       <p:nvGrpSpPr>
-        <p:cNvPr id="93" name="Shape 93"/>
+        <p:cNvPr id="96" name="Shape 96"/>
         <p:cNvGrpSpPr/>
         <p:nvPr/>
       </p:nvGrpSpPr>
@@ -6999,7 +7119,7 @@
       </p:grpSpPr>
       <p:sp>
         <p:nvSpPr>
-          <p:cNvPr id="94" name="Google Shape;94;p23"/>
+          <p:cNvPr id="97" name="Google Shape;97;p23"/>
           <p:cNvSpPr/>
           <p:nvPr/>
         </p:nvSpPr>
@@ -7042,7 +7162,7 @@
       </p:sp>
       <p:sp>
         <p:nvSpPr>
-          <p:cNvPr id="95" name="Google Shape;95;p23"/>
+          <p:cNvPr id="98" name="Google Shape;98;p23"/>
           <p:cNvSpPr txBox="1"/>
           <p:nvPr>
             <p:ph hasCustomPrompt="1" type="title"/>
@@ -7225,7 +7345,7 @@
       </p:sp>
       <p:sp>
         <p:nvSpPr>
-          <p:cNvPr id="96" name="Google Shape;96;p23"/>
+          <p:cNvPr id="99" name="Google Shape;99;p23"/>
           <p:cNvSpPr txBox="1"/>
           <p:nvPr>
             <p:ph idx="1" type="body"/>
@@ -7350,7 +7470,7 @@
       </p:sp>
       <p:sp>
         <p:nvSpPr>
-          <p:cNvPr id="97" name="Google Shape;97;p23"/>
+          <p:cNvPr id="100" name="Google Shape;100;p23"/>
           <p:cNvSpPr txBox="1"/>
           <p:nvPr>
             <p:ph idx="12" type="sldNum"/>
@@ -7438,7 +7558,7 @@
   <p:cSld name="BLANK">
     <p:spTree>
       <p:nvGrpSpPr>
-        <p:cNvPr id="98" name="Shape 98"/>
+        <p:cNvPr id="101" name="Shape 101"/>
         <p:cNvGrpSpPr/>
         <p:nvPr/>
       </p:nvGrpSpPr>
@@ -7452,7 +7572,7 @@
       </p:grpSpPr>
       <p:sp>
         <p:nvSpPr>
-          <p:cNvPr id="99" name="Google Shape;99;p24"/>
+          <p:cNvPr id="102" name="Google Shape;102;p24"/>
           <p:cNvSpPr txBox="1"/>
           <p:nvPr>
             <p:ph idx="12" type="sldNum"/>
@@ -12512,7 +12632,7 @@
   <p:cSld>
     <p:spTree>
       <p:nvGrpSpPr>
-        <p:cNvPr id="103" name="Shape 103"/>
+        <p:cNvPr id="106" name="Shape 106"/>
         <p:cNvGrpSpPr/>
         <p:nvPr/>
       </p:nvGrpSpPr>
@@ -12526,7 +12646,7 @@
       </p:grpSpPr>
       <p:sp>
         <p:nvSpPr>
-          <p:cNvPr id="104" name="Google Shape;104;p25"/>
+          <p:cNvPr id="107" name="Google Shape;107;p25"/>
           <p:cNvSpPr txBox="1"/>
           <p:nvPr>
             <p:ph type="ctrTitle"/>
@@ -12566,7 +12686,7 @@
       </p:sp>
       <p:sp>
         <p:nvSpPr>
-          <p:cNvPr id="105" name="Google Shape;105;p25"/>
+          <p:cNvPr id="108" name="Google Shape;108;p25"/>
           <p:cNvSpPr txBox="1"/>
           <p:nvPr>
             <p:ph idx="1" type="subTitle"/>
@@ -12617,7 +12737,7 @@
   <p:cSld>
     <p:spTree>
       <p:nvGrpSpPr>
-        <p:cNvPr id="157" name="Shape 157"/>
+        <p:cNvPr id="160" name="Shape 160"/>
         <p:cNvGrpSpPr/>
         <p:nvPr/>
       </p:nvGrpSpPr>
@@ -12631,7 +12751,7 @@
       </p:grpSpPr>
       <p:sp>
         <p:nvSpPr>
-          <p:cNvPr id="158" name="Google Shape;158;p34"/>
+          <p:cNvPr id="161" name="Google Shape;161;p34"/>
           <p:cNvSpPr txBox="1"/>
           <p:nvPr>
             <p:ph type="title"/>
@@ -12671,7 +12791,7 @@
       </p:sp>
       <p:graphicFrame>
         <p:nvGraphicFramePr>
-          <p:cNvPr id="159" name="Google Shape;159;p34"/>
+          <p:cNvPr id="162" name="Google Shape;162;p34"/>
           <p:cNvGraphicFramePr/>
           <p:nvPr/>
         </p:nvGraphicFramePr>
@@ -12684,7 +12804,7 @@
             <a:tbl>
               <a:tblPr>
                 <a:noFill/>
-                <a:tableStyleId>{E9571299-164C-4FFC-B1BD-51810E079408}</a:tableStyleId>
+                <a:tableStyleId>{9E54E2C3-42C5-4203-8782-F52CE8BD7AE0}</a:tableStyleId>
               </a:tblPr>
               <a:tblGrid>
                 <a:gridCol w="2413000"/>
@@ -13263,7 +13383,7 @@
   <p:cSld>
     <p:spTree>
       <p:nvGrpSpPr>
-        <p:cNvPr id="163" name="Shape 163"/>
+        <p:cNvPr id="166" name="Shape 166"/>
         <p:cNvGrpSpPr/>
         <p:nvPr/>
       </p:nvGrpSpPr>
@@ -13277,7 +13397,7 @@
       </p:grpSpPr>
       <p:sp>
         <p:nvSpPr>
-          <p:cNvPr id="164" name="Google Shape;164;p35"/>
+          <p:cNvPr id="167" name="Google Shape;167;p35"/>
           <p:cNvSpPr txBox="1"/>
           <p:nvPr>
             <p:ph type="title"/>
@@ -13317,7 +13437,7 @@
       </p:sp>
       <p:sp>
         <p:nvSpPr>
-          <p:cNvPr id="165" name="Google Shape;165;p35"/>
+          <p:cNvPr id="168" name="Google Shape;168;p35"/>
           <p:cNvSpPr/>
           <p:nvPr/>
         </p:nvSpPr>
@@ -13368,7 +13488,7 @@
       </p:sp>
       <p:sp>
         <p:nvSpPr>
-          <p:cNvPr id="166" name="Google Shape;166;p35"/>
+          <p:cNvPr id="169" name="Google Shape;169;p35"/>
           <p:cNvSpPr/>
           <p:nvPr/>
         </p:nvSpPr>
@@ -13420,7 +13540,7 @@
       </p:sp>
       <p:sp>
         <p:nvSpPr>
-          <p:cNvPr id="167" name="Google Shape;167;p35"/>
+          <p:cNvPr id="170" name="Google Shape;170;p35"/>
           <p:cNvSpPr/>
           <p:nvPr/>
         </p:nvSpPr>
@@ -13470,7 +13590,7 @@
       </p:sp>
       <p:sp>
         <p:nvSpPr>
-          <p:cNvPr id="168" name="Google Shape;168;p35"/>
+          <p:cNvPr id="171" name="Google Shape;171;p35"/>
           <p:cNvSpPr/>
           <p:nvPr/>
         </p:nvSpPr>
@@ -13522,10 +13642,10 @@
       </p:sp>
       <p:cxnSp>
         <p:nvCxnSpPr>
-          <p:cNvPr id="169" name="Google Shape;169;p35"/>
+          <p:cNvPr id="172" name="Google Shape;172;p35"/>
           <p:cNvCxnSpPr>
-            <a:stCxn id="165" idx="6"/>
-            <a:endCxn id="166" idx="4"/>
+            <a:stCxn id="168" idx="6"/>
+            <a:endCxn id="169" idx="4"/>
           </p:cNvCxnSpPr>
           <p:nvPr/>
         </p:nvCxnSpPr>
@@ -13551,7 +13671,7 @@
       </p:cxnSp>
       <p:cxnSp>
         <p:nvCxnSpPr>
-          <p:cNvPr id="170" name="Google Shape;170;p35"/>
+          <p:cNvPr id="173" name="Google Shape;173;p35"/>
           <p:cNvCxnSpPr/>
           <p:nvPr/>
         </p:nvCxnSpPr>
@@ -13577,7 +13697,7 @@
       </p:cxnSp>
       <p:cxnSp>
         <p:nvCxnSpPr>
-          <p:cNvPr id="171" name="Google Shape;171;p35"/>
+          <p:cNvPr id="174" name="Google Shape;174;p35"/>
           <p:cNvCxnSpPr/>
           <p:nvPr/>
         </p:nvCxnSpPr>
@@ -13603,9 +13723,9 @@
       </p:cxnSp>
       <p:cxnSp>
         <p:nvCxnSpPr>
-          <p:cNvPr id="172" name="Google Shape;172;p35"/>
+          <p:cNvPr id="175" name="Google Shape;175;p35"/>
           <p:cNvCxnSpPr>
-            <a:stCxn id="168" idx="6"/>
+            <a:stCxn id="171" idx="6"/>
           </p:cNvCxnSpPr>
           <p:nvPr/>
         </p:nvCxnSpPr>
@@ -13631,7 +13751,7 @@
       </p:cxnSp>
       <p:cxnSp>
         <p:nvCxnSpPr>
-          <p:cNvPr id="173" name="Google Shape;173;p35"/>
+          <p:cNvPr id="176" name="Google Shape;176;p35"/>
           <p:cNvCxnSpPr/>
           <p:nvPr/>
         </p:nvCxnSpPr>
@@ -13657,9 +13777,9 @@
       </p:cxnSp>
       <p:cxnSp>
         <p:nvCxnSpPr>
-          <p:cNvPr id="174" name="Google Shape;174;p35"/>
+          <p:cNvPr id="177" name="Google Shape;177;p35"/>
           <p:cNvCxnSpPr>
-            <a:stCxn id="167" idx="2"/>
+            <a:stCxn id="170" idx="2"/>
           </p:cNvCxnSpPr>
           <p:nvPr/>
         </p:nvCxnSpPr>
@@ -13685,7 +13805,7 @@
       </p:cxnSp>
       <p:sp>
         <p:nvSpPr>
-          <p:cNvPr id="175" name="Google Shape;175;p35"/>
+          <p:cNvPr id="178" name="Google Shape;178;p35"/>
           <p:cNvSpPr/>
           <p:nvPr/>
         </p:nvSpPr>
@@ -13737,7 +13857,7 @@
       </p:sp>
       <p:sp>
         <p:nvSpPr>
-          <p:cNvPr id="176" name="Google Shape;176;p35"/>
+          <p:cNvPr id="179" name="Google Shape;179;p35"/>
           <p:cNvSpPr/>
           <p:nvPr/>
         </p:nvSpPr>
@@ -13789,7 +13909,7 @@
       </p:sp>
       <p:sp>
         <p:nvSpPr>
-          <p:cNvPr id="177" name="Google Shape;177;p35"/>
+          <p:cNvPr id="180" name="Google Shape;180;p35"/>
           <p:cNvSpPr/>
           <p:nvPr/>
         </p:nvSpPr>
@@ -13841,10 +13961,10 @@
       </p:sp>
       <p:cxnSp>
         <p:nvCxnSpPr>
-          <p:cNvPr id="178" name="Google Shape;178;p35"/>
+          <p:cNvPr id="181" name="Google Shape;181;p35"/>
           <p:cNvCxnSpPr>
-            <a:stCxn id="175" idx="5"/>
-            <a:endCxn id="176" idx="4"/>
+            <a:stCxn id="178" idx="5"/>
+            <a:endCxn id="179" idx="4"/>
           </p:cNvCxnSpPr>
           <p:nvPr/>
         </p:nvCxnSpPr>
@@ -13870,7 +13990,7 @@
       </p:cxnSp>
       <p:cxnSp>
         <p:nvCxnSpPr>
-          <p:cNvPr id="179" name="Google Shape;179;p35"/>
+          <p:cNvPr id="182" name="Google Shape;182;p35"/>
           <p:cNvCxnSpPr/>
           <p:nvPr/>
         </p:nvCxnSpPr>
@@ -13896,7 +14016,7 @@
       </p:cxnSp>
       <p:sp>
         <p:nvSpPr>
-          <p:cNvPr id="180" name="Google Shape;180;p35"/>
+          <p:cNvPr id="183" name="Google Shape;183;p35"/>
           <p:cNvSpPr/>
           <p:nvPr/>
         </p:nvSpPr>
@@ -13948,9 +14068,9 @@
       </p:sp>
       <p:cxnSp>
         <p:nvCxnSpPr>
-          <p:cNvPr id="181" name="Google Shape;181;p35"/>
+          <p:cNvPr id="184" name="Google Shape;184;p35"/>
           <p:cNvCxnSpPr>
-            <a:stCxn id="175" idx="2"/>
+            <a:stCxn id="178" idx="2"/>
           </p:cNvCxnSpPr>
           <p:nvPr/>
         </p:nvCxnSpPr>
@@ -13976,9 +14096,9 @@
       </p:cxnSp>
       <p:cxnSp>
         <p:nvCxnSpPr>
-          <p:cNvPr id="182" name="Google Shape;182;p35"/>
+          <p:cNvPr id="185" name="Google Shape;185;p35"/>
           <p:cNvCxnSpPr>
-            <a:stCxn id="180" idx="4"/>
+            <a:stCxn id="183" idx="4"/>
           </p:cNvCxnSpPr>
           <p:nvPr/>
         </p:nvCxnSpPr>
@@ -14004,7 +14124,7 @@
       </p:cxnSp>
       <p:cxnSp>
         <p:nvCxnSpPr>
-          <p:cNvPr id="183" name="Google Shape;183;p35"/>
+          <p:cNvPr id="186" name="Google Shape;186;p35"/>
           <p:cNvCxnSpPr/>
           <p:nvPr/>
         </p:nvCxnSpPr>
@@ -14030,7 +14150,7 @@
       </p:cxnSp>
       <p:cxnSp>
         <p:nvCxnSpPr>
-          <p:cNvPr id="184" name="Google Shape;184;p35"/>
+          <p:cNvPr id="187" name="Google Shape;187;p35"/>
           <p:cNvCxnSpPr/>
           <p:nvPr/>
         </p:nvCxnSpPr>
@@ -14067,7 +14187,7 @@
   <p:cSld>
     <p:spTree>
       <p:nvGrpSpPr>
-        <p:cNvPr id="188" name="Shape 188"/>
+        <p:cNvPr id="191" name="Shape 191"/>
         <p:cNvGrpSpPr/>
         <p:nvPr/>
       </p:nvGrpSpPr>
@@ -14081,7 +14201,7 @@
       </p:grpSpPr>
       <p:sp>
         <p:nvSpPr>
-          <p:cNvPr id="189" name="Google Shape;189;p36"/>
+          <p:cNvPr id="192" name="Google Shape;192;p36"/>
           <p:cNvSpPr/>
           <p:nvPr/>
         </p:nvSpPr>
@@ -14130,7 +14250,7 @@
       </p:sp>
       <p:sp>
         <p:nvSpPr>
-          <p:cNvPr id="190" name="Google Shape;190;p36"/>
+          <p:cNvPr id="193" name="Google Shape;193;p36"/>
           <p:cNvSpPr/>
           <p:nvPr/>
         </p:nvSpPr>
@@ -14179,7 +14299,7 @@
       </p:sp>
       <p:sp>
         <p:nvSpPr>
-          <p:cNvPr id="191" name="Google Shape;191;p36"/>
+          <p:cNvPr id="194" name="Google Shape;194;p36"/>
           <p:cNvSpPr/>
           <p:nvPr/>
         </p:nvSpPr>
@@ -14228,7 +14348,7 @@
       </p:sp>
       <p:sp>
         <p:nvSpPr>
-          <p:cNvPr id="192" name="Google Shape;192;p36"/>
+          <p:cNvPr id="195" name="Google Shape;195;p36"/>
           <p:cNvSpPr txBox="1"/>
           <p:nvPr>
             <p:ph type="title"/>
@@ -14268,7 +14388,7 @@
       </p:sp>
       <p:sp>
         <p:nvSpPr>
-          <p:cNvPr id="193" name="Google Shape;193;p36"/>
+          <p:cNvPr id="196" name="Google Shape;196;p36"/>
           <p:cNvSpPr/>
           <p:nvPr/>
         </p:nvSpPr>
@@ -14326,7 +14446,7 @@
       </p:sp>
       <p:sp>
         <p:nvSpPr>
-          <p:cNvPr id="194" name="Google Shape;194;p36"/>
+          <p:cNvPr id="197" name="Google Shape;197;p36"/>
           <p:cNvSpPr/>
           <p:nvPr/>
         </p:nvSpPr>
@@ -14384,7 +14504,7 @@
       </p:sp>
       <p:sp>
         <p:nvSpPr>
-          <p:cNvPr id="195" name="Google Shape;195;p36"/>
+          <p:cNvPr id="198" name="Google Shape;198;p36"/>
           <p:cNvSpPr/>
           <p:nvPr/>
         </p:nvSpPr>
@@ -14444,7 +14564,7 @@
       </p:sp>
       <p:sp>
         <p:nvSpPr>
-          <p:cNvPr id="196" name="Google Shape;196;p36"/>
+          <p:cNvPr id="199" name="Google Shape;199;p36"/>
           <p:cNvSpPr/>
           <p:nvPr/>
         </p:nvSpPr>
@@ -14495,7 +14615,7 @@
       </p:sp>
       <p:sp>
         <p:nvSpPr>
-          <p:cNvPr id="197" name="Google Shape;197;p36"/>
+          <p:cNvPr id="200" name="Google Shape;200;p36"/>
           <p:cNvSpPr/>
           <p:nvPr/>
         </p:nvSpPr>
@@ -14553,10 +14673,10 @@
       </p:sp>
       <p:cxnSp>
         <p:nvCxnSpPr>
-          <p:cNvPr id="198" name="Google Shape;198;p36"/>
+          <p:cNvPr id="201" name="Google Shape;201;p36"/>
           <p:cNvCxnSpPr>
-            <a:stCxn id="193" idx="3"/>
-            <a:endCxn id="194" idx="1"/>
+            <a:stCxn id="196" idx="3"/>
+            <a:endCxn id="197" idx="1"/>
           </p:cNvCxnSpPr>
           <p:nvPr/>
         </p:nvCxnSpPr>
@@ -14582,10 +14702,10 @@
       </p:cxnSp>
       <p:cxnSp>
         <p:nvCxnSpPr>
-          <p:cNvPr id="199" name="Google Shape;199;p36"/>
+          <p:cNvPr id="202" name="Google Shape;202;p36"/>
           <p:cNvCxnSpPr>
-            <a:stCxn id="194" idx="3"/>
-            <a:endCxn id="195" idx="2"/>
+            <a:stCxn id="197" idx="3"/>
+            <a:endCxn id="198" idx="2"/>
           </p:cNvCxnSpPr>
           <p:nvPr/>
         </p:nvCxnSpPr>
@@ -14611,10 +14731,10 @@
       </p:cxnSp>
       <p:cxnSp>
         <p:nvCxnSpPr>
-          <p:cNvPr id="200" name="Google Shape;200;p36"/>
+          <p:cNvPr id="203" name="Google Shape;203;p36"/>
           <p:cNvCxnSpPr>
-            <a:stCxn id="196" idx="6"/>
-            <a:endCxn id="197" idx="1"/>
+            <a:stCxn id="199" idx="6"/>
+            <a:endCxn id="200" idx="1"/>
           </p:cNvCxnSpPr>
           <p:nvPr/>
         </p:nvCxnSpPr>
@@ -14640,7 +14760,7 @@
       </p:cxnSp>
       <p:sp>
         <p:nvSpPr>
-          <p:cNvPr id="201" name="Google Shape;201;p36"/>
+          <p:cNvPr id="204" name="Google Shape;204;p36"/>
           <p:cNvSpPr/>
           <p:nvPr/>
         </p:nvSpPr>
@@ -14698,7 +14818,7 @@
       </p:sp>
       <p:sp>
         <p:nvSpPr>
-          <p:cNvPr id="202" name="Google Shape;202;p36"/>
+          <p:cNvPr id="205" name="Google Shape;205;p36"/>
           <p:cNvSpPr/>
           <p:nvPr/>
         </p:nvSpPr>
@@ -14756,10 +14876,10 @@
       </p:sp>
       <p:cxnSp>
         <p:nvCxnSpPr>
-          <p:cNvPr id="203" name="Google Shape;203;p36"/>
+          <p:cNvPr id="206" name="Google Shape;206;p36"/>
           <p:cNvCxnSpPr>
-            <a:stCxn id="197" idx="3"/>
-            <a:endCxn id="201" idx="1"/>
+            <a:stCxn id="200" idx="3"/>
+            <a:endCxn id="204" idx="1"/>
           </p:cNvCxnSpPr>
           <p:nvPr/>
         </p:nvCxnSpPr>
@@ -14785,10 +14905,10 @@
       </p:cxnSp>
       <p:cxnSp>
         <p:nvCxnSpPr>
-          <p:cNvPr id="204" name="Google Shape;204;p36"/>
+          <p:cNvPr id="207" name="Google Shape;207;p36"/>
           <p:cNvCxnSpPr>
-            <a:stCxn id="201" idx="3"/>
-            <a:endCxn id="202" idx="1"/>
+            <a:stCxn id="204" idx="3"/>
+            <a:endCxn id="205" idx="1"/>
           </p:cNvCxnSpPr>
           <p:nvPr/>
         </p:nvCxnSpPr>
@@ -14814,7 +14934,7 @@
       </p:cxnSp>
       <p:sp>
         <p:nvSpPr>
-          <p:cNvPr id="205" name="Google Shape;205;p36"/>
+          <p:cNvPr id="208" name="Google Shape;208;p36"/>
           <p:cNvSpPr/>
           <p:nvPr/>
         </p:nvSpPr>
@@ -14864,10 +14984,10 @@
       </p:sp>
       <p:cxnSp>
         <p:nvCxnSpPr>
-          <p:cNvPr id="206" name="Google Shape;206;p36"/>
+          <p:cNvPr id="209" name="Google Shape;209;p36"/>
           <p:cNvCxnSpPr>
-            <a:stCxn id="202" idx="2"/>
-            <a:endCxn id="205" idx="0"/>
+            <a:stCxn id="205" idx="2"/>
+            <a:endCxn id="208" idx="0"/>
           </p:cNvCxnSpPr>
           <p:nvPr/>
         </p:nvCxnSpPr>
@@ -14893,7 +15013,7 @@
       </p:cxnSp>
       <p:sp>
         <p:nvSpPr>
-          <p:cNvPr id="207" name="Google Shape;207;p36"/>
+          <p:cNvPr id="210" name="Google Shape;210;p36"/>
           <p:cNvSpPr/>
           <p:nvPr/>
         </p:nvSpPr>
@@ -14951,10 +15071,10 @@
       </p:sp>
       <p:cxnSp>
         <p:nvCxnSpPr>
-          <p:cNvPr id="208" name="Google Shape;208;p36"/>
+          <p:cNvPr id="211" name="Google Shape;211;p36"/>
           <p:cNvCxnSpPr>
-            <a:stCxn id="202" idx="2"/>
-            <a:endCxn id="207" idx="0"/>
+            <a:stCxn id="205" idx="2"/>
+            <a:endCxn id="210" idx="0"/>
           </p:cNvCxnSpPr>
           <p:nvPr/>
         </p:nvCxnSpPr>
@@ -14980,7 +15100,7 @@
       </p:cxnSp>
       <p:sp>
         <p:nvSpPr>
-          <p:cNvPr id="209" name="Google Shape;209;p36"/>
+          <p:cNvPr id="212" name="Google Shape;212;p36"/>
           <p:cNvSpPr/>
           <p:nvPr/>
         </p:nvSpPr>
@@ -15038,9 +15158,9 @@
       </p:sp>
       <p:cxnSp>
         <p:nvCxnSpPr>
-          <p:cNvPr id="210" name="Google Shape;210;p36"/>
+          <p:cNvPr id="213" name="Google Shape;213;p36"/>
           <p:cNvCxnSpPr>
-            <a:stCxn id="207" idx="1"/>
+            <a:stCxn id="210" idx="1"/>
           </p:cNvCxnSpPr>
           <p:nvPr/>
         </p:nvCxnSpPr>
@@ -15066,7 +15186,7 @@
       </p:cxnSp>
       <p:sp>
         <p:nvSpPr>
-          <p:cNvPr id="211" name="Google Shape;211;p36"/>
+          <p:cNvPr id="214" name="Google Shape;214;p36"/>
           <p:cNvSpPr/>
           <p:nvPr/>
         </p:nvSpPr>
@@ -15124,7 +15244,7 @@
       </p:sp>
       <p:cxnSp>
         <p:nvCxnSpPr>
-          <p:cNvPr id="212" name="Google Shape;212;p36"/>
+          <p:cNvPr id="215" name="Google Shape;215;p36"/>
           <p:cNvCxnSpPr/>
           <p:nvPr/>
         </p:nvCxnSpPr>
@@ -15150,9 +15270,9 @@
       </p:cxnSp>
       <p:cxnSp>
         <p:nvCxnSpPr>
-          <p:cNvPr id="213" name="Google Shape;213;p36"/>
+          <p:cNvPr id="216" name="Google Shape;216;p36"/>
           <p:cNvCxnSpPr>
-            <a:stCxn id="209" idx="1"/>
+            <a:stCxn id="212" idx="1"/>
           </p:cNvCxnSpPr>
           <p:nvPr/>
         </p:nvCxnSpPr>
@@ -15178,7 +15298,7 @@
       </p:cxnSp>
       <p:cxnSp>
         <p:nvCxnSpPr>
-          <p:cNvPr id="214" name="Google Shape;214;p36"/>
+          <p:cNvPr id="217" name="Google Shape;217;p36"/>
           <p:cNvCxnSpPr/>
           <p:nvPr/>
         </p:nvCxnSpPr>
@@ -15204,9 +15324,9 @@
       </p:cxnSp>
       <p:cxnSp>
         <p:nvCxnSpPr>
-          <p:cNvPr id="215" name="Google Shape;215;p36"/>
+          <p:cNvPr id="218" name="Google Shape;218;p36"/>
           <p:cNvCxnSpPr>
-            <a:stCxn id="205" idx="2"/>
+            <a:stCxn id="208" idx="2"/>
           </p:cNvCxnSpPr>
           <p:nvPr/>
         </p:nvCxnSpPr>
@@ -15232,7 +15352,7 @@
       </p:cxnSp>
       <p:sp>
         <p:nvSpPr>
-          <p:cNvPr id="216" name="Google Shape;216;p36"/>
+          <p:cNvPr id="219" name="Google Shape;219;p36"/>
           <p:cNvSpPr/>
           <p:nvPr/>
         </p:nvSpPr>
@@ -15290,7 +15410,7 @@
       </p:sp>
       <p:sp>
         <p:nvSpPr>
-          <p:cNvPr id="217" name="Google Shape;217;p36"/>
+          <p:cNvPr id="220" name="Google Shape;220;p36"/>
           <p:cNvSpPr/>
           <p:nvPr/>
         </p:nvSpPr>
@@ -15348,7 +15468,7 @@
       </p:sp>
       <p:sp>
         <p:nvSpPr>
-          <p:cNvPr id="218" name="Google Shape;218;p36"/>
+          <p:cNvPr id="221" name="Google Shape;221;p36"/>
           <p:cNvSpPr/>
           <p:nvPr/>
         </p:nvSpPr>
@@ -15406,7 +15526,7 @@
       </p:sp>
       <p:sp>
         <p:nvSpPr>
-          <p:cNvPr id="219" name="Google Shape;219;p36"/>
+          <p:cNvPr id="222" name="Google Shape;222;p36"/>
           <p:cNvSpPr/>
           <p:nvPr/>
         </p:nvSpPr>
@@ -15464,7 +15584,7 @@
       </p:sp>
       <p:sp>
         <p:nvSpPr>
-          <p:cNvPr id="220" name="Google Shape;220;p36"/>
+          <p:cNvPr id="223" name="Google Shape;223;p36"/>
           <p:cNvSpPr txBox="1"/>
           <p:nvPr/>
         </p:nvSpPr>
@@ -15506,7 +15626,7 @@
       </p:sp>
       <p:sp>
         <p:nvSpPr>
-          <p:cNvPr id="221" name="Google Shape;221;p36"/>
+          <p:cNvPr id="224" name="Google Shape;224;p36"/>
           <p:cNvSpPr txBox="1"/>
           <p:nvPr/>
         </p:nvSpPr>
@@ -15548,7 +15668,7 @@
       </p:sp>
       <p:sp>
         <p:nvSpPr>
-          <p:cNvPr id="222" name="Google Shape;222;p36"/>
+          <p:cNvPr id="225" name="Google Shape;225;p36"/>
           <p:cNvSpPr txBox="1"/>
           <p:nvPr/>
         </p:nvSpPr>
@@ -15590,7 +15710,7 @@
       </p:sp>
       <p:cxnSp>
         <p:nvCxnSpPr>
-          <p:cNvPr id="223" name="Google Shape;223;p36"/>
+          <p:cNvPr id="226" name="Google Shape;226;p36"/>
           <p:cNvCxnSpPr/>
           <p:nvPr/>
         </p:nvCxnSpPr>
@@ -15627,7 +15747,7 @@
   <p:cSld>
     <p:spTree>
       <p:nvGrpSpPr>
-        <p:cNvPr id="227" name="Shape 227"/>
+        <p:cNvPr id="230" name="Shape 230"/>
         <p:cNvGrpSpPr/>
         <p:nvPr/>
       </p:nvGrpSpPr>
@@ -15641,7 +15761,7 @@
       </p:grpSpPr>
       <p:sp>
         <p:nvSpPr>
-          <p:cNvPr id="228" name="Google Shape;228;p37"/>
+          <p:cNvPr id="231" name="Google Shape;231;p37"/>
           <p:cNvSpPr txBox="1"/>
           <p:nvPr>
             <p:ph type="title"/>
@@ -15681,7 +15801,7 @@
       </p:sp>
       <p:sp>
         <p:nvSpPr>
-          <p:cNvPr id="229" name="Google Shape;229;p37"/>
+          <p:cNvPr id="232" name="Google Shape;232;p37"/>
           <p:cNvSpPr txBox="1"/>
           <p:nvPr>
             <p:ph idx="1" type="body"/>
@@ -15768,7 +15888,7 @@
   <p:cSld>
     <p:spTree>
       <p:nvGrpSpPr>
-        <p:cNvPr id="233" name="Shape 233"/>
+        <p:cNvPr id="236" name="Shape 236"/>
         <p:cNvGrpSpPr/>
         <p:nvPr/>
       </p:nvGrpSpPr>
@@ -15782,7 +15902,7 @@
       </p:grpSpPr>
       <p:sp>
         <p:nvSpPr>
-          <p:cNvPr id="234" name="Google Shape;234;p38"/>
+          <p:cNvPr id="237" name="Google Shape;237;p38"/>
           <p:cNvSpPr txBox="1"/>
           <p:nvPr>
             <p:ph type="title"/>
@@ -15822,7 +15942,7 @@
       </p:sp>
       <p:sp>
         <p:nvSpPr>
-          <p:cNvPr id="235" name="Google Shape;235;p38"/>
+          <p:cNvPr id="238" name="Google Shape;238;p38"/>
           <p:cNvSpPr txBox="1"/>
           <p:nvPr>
             <p:ph idx="1" type="body"/>
@@ -16027,7 +16147,7 @@
   <p:cSld>
     <p:spTree>
       <p:nvGrpSpPr>
-        <p:cNvPr id="239" name="Shape 239"/>
+        <p:cNvPr id="242" name="Shape 242"/>
         <p:cNvGrpSpPr/>
         <p:nvPr/>
       </p:nvGrpSpPr>
@@ -16041,7 +16161,7 @@
       </p:grpSpPr>
       <p:sp>
         <p:nvSpPr>
-          <p:cNvPr id="240" name="Google Shape;240;p39"/>
+          <p:cNvPr id="243" name="Google Shape;243;p39"/>
           <p:cNvSpPr txBox="1"/>
           <p:nvPr>
             <p:ph type="title"/>
@@ -16081,7 +16201,7 @@
       </p:sp>
       <p:sp>
         <p:nvSpPr>
-          <p:cNvPr id="241" name="Google Shape;241;p39"/>
+          <p:cNvPr id="244" name="Google Shape;244;p39"/>
           <p:cNvSpPr txBox="1"/>
           <p:nvPr>
             <p:ph idx="1" type="body"/>
@@ -16131,7 +16251,7 @@
   <p:cSld>
     <p:spTree>
       <p:nvGrpSpPr>
-        <p:cNvPr id="109" name="Shape 109"/>
+        <p:cNvPr id="112" name="Shape 112"/>
         <p:cNvGrpSpPr/>
         <p:nvPr/>
       </p:nvGrpSpPr>
@@ -16145,7 +16265,7 @@
       </p:grpSpPr>
       <p:sp>
         <p:nvSpPr>
-          <p:cNvPr id="110" name="Google Shape;110;p26"/>
+          <p:cNvPr id="113" name="Google Shape;113;p26"/>
           <p:cNvSpPr txBox="1"/>
           <p:nvPr>
             <p:ph type="title"/>
@@ -16185,7 +16305,7 @@
       </p:sp>
       <p:sp>
         <p:nvSpPr>
-          <p:cNvPr id="111" name="Google Shape;111;p26"/>
+          <p:cNvPr id="114" name="Google Shape;114;p26"/>
           <p:cNvSpPr txBox="1"/>
           <p:nvPr>
             <p:ph idx="1" type="body"/>
@@ -16566,7 +16686,7 @@
   <p:cSld>
     <p:spTree>
       <p:nvGrpSpPr>
-        <p:cNvPr id="115" name="Shape 115"/>
+        <p:cNvPr id="118" name="Shape 118"/>
         <p:cNvGrpSpPr/>
         <p:nvPr/>
       </p:nvGrpSpPr>
@@ -16580,7 +16700,7 @@
       </p:grpSpPr>
       <p:sp>
         <p:nvSpPr>
-          <p:cNvPr id="116" name="Google Shape;116;p27"/>
+          <p:cNvPr id="119" name="Google Shape;119;p27"/>
           <p:cNvSpPr txBox="1"/>
           <p:nvPr>
             <p:ph type="title"/>
@@ -16624,7 +16744,7 @@
       </p:sp>
       <p:sp>
         <p:nvSpPr>
-          <p:cNvPr id="117" name="Google Shape;117;p27"/>
+          <p:cNvPr id="120" name="Google Shape;120;p27"/>
           <p:cNvSpPr txBox="1"/>
           <p:nvPr/>
         </p:nvSpPr>
@@ -16913,7 +17033,7 @@
   <p:cSld>
     <p:spTree>
       <p:nvGrpSpPr>
-        <p:cNvPr id="121" name="Shape 121"/>
+        <p:cNvPr id="124" name="Shape 124"/>
         <p:cNvGrpSpPr/>
         <p:nvPr/>
       </p:nvGrpSpPr>
@@ -16927,7 +17047,7 @@
       </p:grpSpPr>
       <p:sp>
         <p:nvSpPr>
-          <p:cNvPr id="122" name="Google Shape;122;p28"/>
+          <p:cNvPr id="125" name="Google Shape;125;p28"/>
           <p:cNvSpPr txBox="1"/>
           <p:nvPr>
             <p:ph type="title"/>
@@ -16967,7 +17087,7 @@
       </p:sp>
       <p:sp>
         <p:nvSpPr>
-          <p:cNvPr id="123" name="Google Shape;123;p28"/>
+          <p:cNvPr id="126" name="Google Shape;126;p28"/>
           <p:cNvSpPr txBox="1"/>
           <p:nvPr>
             <p:ph idx="1" type="body"/>
@@ -17262,7 +17382,7 @@
   <p:cSld>
     <p:spTree>
       <p:nvGrpSpPr>
-        <p:cNvPr id="127" name="Shape 127"/>
+        <p:cNvPr id="130" name="Shape 130"/>
         <p:cNvGrpSpPr/>
         <p:nvPr/>
       </p:nvGrpSpPr>
@@ -17276,7 +17396,7 @@
       </p:grpSpPr>
       <p:sp>
         <p:nvSpPr>
-          <p:cNvPr id="128" name="Google Shape;128;p29"/>
+          <p:cNvPr id="131" name="Google Shape;131;p29"/>
           <p:cNvSpPr txBox="1"/>
           <p:nvPr>
             <p:ph type="title"/>
@@ -17316,7 +17436,7 @@
       </p:sp>
       <p:sp>
         <p:nvSpPr>
-          <p:cNvPr id="129" name="Google Shape;129;p29"/>
+          <p:cNvPr id="132" name="Google Shape;132;p29"/>
           <p:cNvSpPr txBox="1"/>
           <p:nvPr>
             <p:ph idx="1" type="body"/>
@@ -17894,7 +18014,7 @@
   <p:cSld>
     <p:spTree>
       <p:nvGrpSpPr>
-        <p:cNvPr id="133" name="Shape 133"/>
+        <p:cNvPr id="136" name="Shape 136"/>
         <p:cNvGrpSpPr/>
         <p:nvPr/>
       </p:nvGrpSpPr>
@@ -17908,7 +18028,7 @@
       </p:grpSpPr>
       <p:sp>
         <p:nvSpPr>
-          <p:cNvPr id="134" name="Google Shape;134;p30"/>
+          <p:cNvPr id="137" name="Google Shape;137;p30"/>
           <p:cNvSpPr txBox="1"/>
           <p:nvPr>
             <p:ph type="title"/>
@@ -17948,7 +18068,7 @@
       </p:sp>
       <p:sp>
         <p:nvSpPr>
-          <p:cNvPr id="135" name="Google Shape;135;p30"/>
+          <p:cNvPr id="138" name="Google Shape;138;p30"/>
           <p:cNvSpPr txBox="1"/>
           <p:nvPr>
             <p:ph idx="1" type="body"/>
@@ -17999,7 +18119,7 @@
   <p:cSld>
     <p:spTree>
       <p:nvGrpSpPr>
-        <p:cNvPr id="139" name="Shape 139"/>
+        <p:cNvPr id="142" name="Shape 142"/>
         <p:cNvGrpSpPr/>
         <p:nvPr/>
       </p:nvGrpSpPr>
@@ -18013,7 +18133,7 @@
       </p:grpSpPr>
       <p:sp>
         <p:nvSpPr>
-          <p:cNvPr id="140" name="Google Shape;140;p31"/>
+          <p:cNvPr id="143" name="Google Shape;143;p31"/>
           <p:cNvSpPr txBox="1"/>
           <p:nvPr>
             <p:ph type="title"/>
@@ -18053,7 +18173,7 @@
       </p:sp>
       <p:sp>
         <p:nvSpPr>
-          <p:cNvPr id="141" name="Google Shape;141;p31"/>
+          <p:cNvPr id="144" name="Google Shape;144;p31"/>
           <p:cNvSpPr txBox="1"/>
           <p:nvPr>
             <p:ph idx="1" type="body"/>
@@ -18312,7 +18432,7 @@
   <p:cSld>
     <p:spTree>
       <p:nvGrpSpPr>
-        <p:cNvPr id="145" name="Shape 145"/>
+        <p:cNvPr id="148" name="Shape 148"/>
         <p:cNvGrpSpPr/>
         <p:nvPr/>
       </p:nvGrpSpPr>
@@ -18326,7 +18446,7 @@
       </p:grpSpPr>
       <p:sp>
         <p:nvSpPr>
-          <p:cNvPr id="146" name="Google Shape;146;p32"/>
+          <p:cNvPr id="149" name="Google Shape;149;p32"/>
           <p:cNvSpPr txBox="1"/>
           <p:nvPr>
             <p:ph type="title"/>
@@ -18366,7 +18486,7 @@
       </p:sp>
       <p:sp>
         <p:nvSpPr>
-          <p:cNvPr id="147" name="Google Shape;147;p32"/>
+          <p:cNvPr id="150" name="Google Shape;150;p32"/>
           <p:cNvSpPr txBox="1"/>
           <p:nvPr>
             <p:ph idx="1" type="body"/>
@@ -18469,7 +18589,7 @@
   <p:cSld>
     <p:spTree>
       <p:nvGrpSpPr>
-        <p:cNvPr id="151" name="Shape 151"/>
+        <p:cNvPr id="154" name="Shape 154"/>
         <p:cNvGrpSpPr/>
         <p:nvPr/>
       </p:nvGrpSpPr>
@@ -18483,7 +18603,7 @@
       </p:grpSpPr>
       <p:sp>
         <p:nvSpPr>
-          <p:cNvPr id="152" name="Google Shape;152;p33"/>
+          <p:cNvPr id="155" name="Google Shape;155;p33"/>
           <p:cNvSpPr txBox="1"/>
           <p:nvPr>
             <p:ph type="title"/>
@@ -18523,7 +18643,7 @@
       </p:sp>
       <p:sp>
         <p:nvSpPr>
-          <p:cNvPr id="153" name="Google Shape;153;p33"/>
+          <p:cNvPr id="156" name="Google Shape;156;p33"/>
           <p:cNvSpPr txBox="1"/>
           <p:nvPr>
             <p:ph idx="1" type="body"/>
@@ -18853,6 +18973,285 @@
 </file>
 
 <file path=ppt/theme/theme1.xml><?xml version="1.0" encoding="utf-8"?>
+<a:theme xmlns:a="http://schemas.openxmlformats.org/drawingml/2006/main" xmlns:r="http://schemas.openxmlformats.org/officeDocument/2006/relationships" name="Coral">
+  <a:themeElements>
+    <a:clrScheme name="Coral">
+      <a:dk1>
+        <a:srgbClr val="F55E61"/>
+      </a:dk1>
+      <a:lt1>
+        <a:srgbClr val="FFFFFF"/>
+      </a:lt1>
+      <a:dk2>
+        <a:srgbClr val="5E696C"/>
+      </a:dk2>
+      <a:lt2>
+        <a:srgbClr val="BFC7CA"/>
+      </a:lt2>
+      <a:accent1>
+        <a:srgbClr val="1E2D31"/>
+      </a:accent1>
+      <a:accent2>
+        <a:srgbClr val="273C42"/>
+      </a:accent2>
+      <a:accent3>
+        <a:srgbClr val="83D061"/>
+      </a:accent3>
+      <a:accent4>
+        <a:srgbClr val="F6CD4C"/>
+      </a:accent4>
+      <a:accent5>
+        <a:srgbClr val="AF4345"/>
+      </a:accent5>
+      <a:accent6>
+        <a:srgbClr val="F58F8F"/>
+      </a:accent6>
+      <a:hlink>
+        <a:srgbClr val="AF4345"/>
+      </a:hlink>
+      <a:folHlink>
+        <a:srgbClr val="AF4345"/>
+      </a:folHlink>
+    </a:clrScheme>
+    <a:fontScheme name="Office">
+      <a:majorFont>
+        <a:latin typeface="Arial"/>
+        <a:ea typeface=""/>
+        <a:cs typeface=""/>
+        <a:font script="Jpan" typeface="ＭＳ Ｐゴシック"/>
+        <a:font script="Hang" typeface="맑은 고딕"/>
+        <a:font script="Hans" typeface="宋体"/>
+        <a:font script="Hant" typeface="新細明體"/>
+        <a:font script="Arab" typeface="Times New Roman"/>
+        <a:font script="Hebr" typeface="Times New Roman"/>
+        <a:font script="Thai" typeface="Angsana New"/>
+        <a:font script="Ethi" typeface="Nyala"/>
+        <a:font script="Beng" typeface="Vrinda"/>
+        <a:font script="Gujr" typeface="Shruti"/>
+        <a:font script="Khmr" typeface="MoolBoran"/>
+        <a:font script="Knda" typeface="Tunga"/>
+        <a:font script="Guru" typeface="Raavi"/>
+        <a:font script="Cans" typeface="Euphemia"/>
+        <a:font script="Cher" typeface="Plantagenet Cherokee"/>
+        <a:font script="Yiii" typeface="Microsoft Yi Baiti"/>
+        <a:font script="Tibt" typeface="Microsoft Himalaya"/>
+        <a:font script="Thaa" typeface="MV Boli"/>
+        <a:font script="Deva" typeface="Mangal"/>
+        <a:font script="Telu" typeface="Gautami"/>
+        <a:font script="Taml" typeface="Latha"/>
+        <a:font script="Syrc" typeface="Estrangelo Edessa"/>
+        <a:font script="Orya" typeface="Kalinga"/>
+        <a:font script="Mlym" typeface="Kartika"/>
+        <a:font script="Laoo" typeface="DokChampa"/>
+        <a:font script="Sinh" typeface="Iskoola Pota"/>
+        <a:font script="Mong" typeface="Mongolian Baiti"/>
+        <a:font script="Viet" typeface="Times New Roman"/>
+        <a:font script="Uigh" typeface="Microsoft Uighur"/>
+        <a:font script="Geor" typeface="Sylfaen"/>
+      </a:majorFont>
+      <a:minorFont>
+        <a:latin typeface="Arial"/>
+        <a:ea typeface=""/>
+        <a:cs typeface=""/>
+        <a:font script="Jpan" typeface="ＭＳ Ｐゴシック"/>
+        <a:font script="Hang" typeface="맑은 고딕"/>
+        <a:font script="Hans" typeface="宋体"/>
+        <a:font script="Hant" typeface="新細明體"/>
+        <a:font script="Arab" typeface="Arial"/>
+        <a:font script="Hebr" typeface="Arial"/>
+        <a:font script="Thai" typeface="Cordia New"/>
+        <a:font script="Ethi" typeface="Nyala"/>
+        <a:font script="Beng" typeface="Vrinda"/>
+        <a:font script="Gujr" typeface="Shruti"/>
+        <a:font script="Khmr" typeface="DaunPenh"/>
+        <a:font script="Knda" typeface="Tunga"/>
+        <a:font script="Guru" typeface="Raavi"/>
+        <a:font script="Cans" typeface="Euphemia"/>
+        <a:font script="Cher" typeface="Plantagenet Cherokee"/>
+        <a:font script="Yiii" typeface="Microsoft Yi Baiti"/>
+        <a:font script="Tibt" typeface="Microsoft Himalaya"/>
+        <a:font script="Thaa" typeface="MV Boli"/>
+        <a:font script="Deva" typeface="Mangal"/>
+        <a:font script="Telu" typeface="Gautami"/>
+        <a:font script="Taml" typeface="Latha"/>
+        <a:font script="Syrc" typeface="Estrangelo Edessa"/>
+        <a:font script="Orya" typeface="Kalinga"/>
+        <a:font script="Mlym" typeface="Kartika"/>
+        <a:font script="Laoo" typeface="DokChampa"/>
+        <a:font script="Sinh" typeface="Iskoola Pota"/>
+        <a:font script="Mong" typeface="Mongolian Baiti"/>
+        <a:font script="Viet" typeface="Arial"/>
+        <a:font script="Uigh" typeface="Microsoft Uighur"/>
+        <a:font script="Geor" typeface="Sylfaen"/>
+      </a:minorFont>
+    </a:fontScheme>
+    <a:fmtScheme name="Office">
+      <a:fillStyleLst>
+        <a:solidFill>
+          <a:schemeClr val="phClr"/>
+        </a:solidFill>
+        <a:gradFill rotWithShape="1">
+          <a:gsLst>
+            <a:gs pos="0">
+              <a:schemeClr val="phClr">
+                <a:tint val="50000"/>
+                <a:satMod val="300000"/>
+              </a:schemeClr>
+            </a:gs>
+            <a:gs pos="35000">
+              <a:schemeClr val="phClr">
+                <a:tint val="37000"/>
+                <a:satMod val="300000"/>
+              </a:schemeClr>
+            </a:gs>
+            <a:gs pos="100000">
+              <a:schemeClr val="phClr">
+                <a:tint val="15000"/>
+                <a:satMod val="350000"/>
+              </a:schemeClr>
+            </a:gs>
+          </a:gsLst>
+          <a:lin ang="16200000" scaled="1"/>
+        </a:gradFill>
+        <a:gradFill rotWithShape="1">
+          <a:gsLst>
+            <a:gs pos="0">
+              <a:schemeClr val="phClr">
+                <a:tint val="100000"/>
+                <a:shade val="100000"/>
+                <a:satMod val="130000"/>
+              </a:schemeClr>
+            </a:gs>
+            <a:gs pos="100000">
+              <a:schemeClr val="phClr">
+                <a:tint val="50000"/>
+                <a:shade val="100000"/>
+                <a:satMod val="350000"/>
+              </a:schemeClr>
+            </a:gs>
+          </a:gsLst>
+          <a:lin ang="16200000" scaled="0"/>
+        </a:gradFill>
+      </a:fillStyleLst>
+      <a:lnStyleLst>
+        <a:ln w="9525" cap="flat" cmpd="sng" algn="ctr">
+          <a:solidFill>
+            <a:schemeClr val="phClr">
+              <a:shade val="95000"/>
+              <a:satMod val="105000"/>
+            </a:schemeClr>
+          </a:solidFill>
+          <a:prstDash val="solid"/>
+        </a:ln>
+        <a:ln w="25400" cap="flat" cmpd="sng" algn="ctr">
+          <a:solidFill>
+            <a:schemeClr val="phClr"/>
+          </a:solidFill>
+          <a:prstDash val="solid"/>
+        </a:ln>
+        <a:ln w="38100" cap="flat" cmpd="sng" algn="ctr">
+          <a:solidFill>
+            <a:schemeClr val="phClr"/>
+          </a:solidFill>
+          <a:prstDash val="solid"/>
+        </a:ln>
+      </a:lnStyleLst>
+      <a:effectStyleLst>
+        <a:effectStyle>
+          <a:effectLst>
+            <a:outerShdw blurRad="40000" dist="20000" dir="5400000" rotWithShape="0">
+              <a:srgbClr val="000000">
+                <a:alpha val="38000"/>
+              </a:srgbClr>
+            </a:outerShdw>
+          </a:effectLst>
+        </a:effectStyle>
+        <a:effectStyle>
+          <a:effectLst>
+            <a:outerShdw blurRad="40000" dist="23000" dir="5400000" rotWithShape="0">
+              <a:srgbClr val="000000">
+                <a:alpha val="35000"/>
+              </a:srgbClr>
+            </a:outerShdw>
+          </a:effectLst>
+        </a:effectStyle>
+        <a:effectStyle>
+          <a:effectLst>
+            <a:outerShdw blurRad="40000" dist="23000" dir="5400000" rotWithShape="0">
+              <a:srgbClr val="000000">
+                <a:alpha val="35000"/>
+              </a:srgbClr>
+            </a:outerShdw>
+          </a:effectLst>
+          <a:scene3d>
+            <a:camera prst="orthographicFront">
+              <a:rot lat="0" lon="0" rev="0"/>
+            </a:camera>
+            <a:lightRig rig="threePt" dir="t">
+              <a:rot lat="0" lon="0" rev="1200000"/>
+            </a:lightRig>
+          </a:scene3d>
+          <a:sp3d>
+            <a:bevelT w="63500" h="25400"/>
+          </a:sp3d>
+        </a:effectStyle>
+      </a:effectStyleLst>
+      <a:bgFillStyleLst>
+        <a:solidFill>
+          <a:schemeClr val="phClr"/>
+        </a:solidFill>
+        <a:gradFill rotWithShape="1">
+          <a:gsLst>
+            <a:gs pos="0">
+              <a:schemeClr val="phClr">
+                <a:tint val="40000"/>
+                <a:satMod val="350000"/>
+              </a:schemeClr>
+            </a:gs>
+            <a:gs pos="40000">
+              <a:schemeClr val="phClr">
+                <a:tint val="45000"/>
+                <a:shade val="99000"/>
+                <a:satMod val="350000"/>
+              </a:schemeClr>
+            </a:gs>
+            <a:gs pos="100000">
+              <a:schemeClr val="phClr">
+                <a:shade val="20000"/>
+                <a:satMod val="255000"/>
+              </a:schemeClr>
+            </a:gs>
+          </a:gsLst>
+          <a:path path="circle">
+            <a:fillToRect l="50000" t="-80000" r="50000" b="180000"/>
+          </a:path>
+        </a:gradFill>
+        <a:gradFill rotWithShape="1">
+          <a:gsLst>
+            <a:gs pos="0">
+              <a:schemeClr val="phClr">
+                <a:tint val="80000"/>
+                <a:satMod val="300000"/>
+              </a:schemeClr>
+            </a:gs>
+            <a:gs pos="100000">
+              <a:schemeClr val="phClr">
+                <a:shade val="30000"/>
+                <a:satMod val="200000"/>
+              </a:schemeClr>
+            </a:gs>
+          </a:gsLst>
+          <a:path path="circle">
+            <a:fillToRect l="50000" t="50000" r="50000" b="50000"/>
+          </a:path>
+        </a:gradFill>
+      </a:bgFillStyleLst>
+    </a:fmtScheme>
+  </a:themeElements>
+</a:theme>
+</file>
+
+<file path=ppt/theme/theme2.xml><?xml version="1.0" encoding="utf-8"?>
 <a:theme xmlns:a="http://schemas.openxmlformats.org/drawingml/2006/main" xmlns:r="http://schemas.openxmlformats.org/officeDocument/2006/relationships">
   <a:themeElements>
     <a:clrScheme name="Default">
@@ -19131,7 +19530,7 @@
 </a:theme>
 </file>
 
-<file path=ppt/theme/theme2.xml><?xml version="1.0" encoding="utf-8"?>
+<file path=ppt/theme/theme3.xml><?xml version="1.0" encoding="utf-8"?>
 <a:theme xmlns:a="http://schemas.openxmlformats.org/drawingml/2006/main" xmlns:r="http://schemas.openxmlformats.org/officeDocument/2006/relationships" name="Simple Light">
   <a:themeElements>
     <a:clrScheme name="Simple Light">
@@ -19408,283 +19807,4 @@
     </a:fmtScheme>
   </a:themeElements>
 </a:theme>
-</file>
-
-<file path=ppt/theme/theme3.xml><?xml version="1.0" encoding="utf-8"?>
-<a:theme xmlns:a="http://schemas.openxmlformats.org/drawingml/2006/main" xmlns:r="http://schemas.openxmlformats.org/officeDocument/2006/relationships" name="Coral">
-  <a:themeElements>
-    <a:clrScheme name="Coral">
-      <a:dk1>
-        <a:srgbClr val="F55E61"/>
-      </a:dk1>
-      <a:lt1>
-        <a:srgbClr val="FFFFFF"/>
-      </a:lt1>
-      <a:dk2>
-        <a:srgbClr val="5E696C"/>
-      </a:dk2>
-      <a:lt2>
-        <a:srgbClr val="BFC7CA"/>
-      </a:lt2>
-      <a:accent1>
-        <a:srgbClr val="1E2D31"/>
-      </a:accent1>
-      <a:accent2>
-        <a:srgbClr val="273C42"/>
-      </a:accent2>
-      <a:accent3>
-        <a:srgbClr val="83D061"/>
-      </a:accent3>
-      <a:accent4>
-        <a:srgbClr val="F6CD4C"/>
-      </a:accent4>
-      <a:accent5>
-        <a:srgbClr val="AF4345"/>
-      </a:accent5>
-      <a:accent6>
-        <a:srgbClr val="F58F8F"/>
-      </a:accent6>
-      <a:hlink>
-        <a:srgbClr val="AF4345"/>
-      </a:hlink>
-      <a:folHlink>
-        <a:srgbClr val="AF4345"/>
-      </a:folHlink>
-    </a:clrScheme>
-    <a:fontScheme name="Office">
-      <a:majorFont>
-        <a:latin typeface="Arial"/>
-        <a:ea typeface=""/>
-        <a:cs typeface=""/>
-        <a:font script="Jpan" typeface="ＭＳ Ｐゴシック"/>
-        <a:font script="Hang" typeface="맑은 고딕"/>
-        <a:font script="Hans" typeface="宋体"/>
-        <a:font script="Hant" typeface="新細明體"/>
-        <a:font script="Arab" typeface="Times New Roman"/>
-        <a:font script="Hebr" typeface="Times New Roman"/>
-        <a:font script="Thai" typeface="Angsana New"/>
-        <a:font script="Ethi" typeface="Nyala"/>
-        <a:font script="Beng" typeface="Vrinda"/>
-        <a:font script="Gujr" typeface="Shruti"/>
-        <a:font script="Khmr" typeface="MoolBoran"/>
-        <a:font script="Knda" typeface="Tunga"/>
-        <a:font script="Guru" typeface="Raavi"/>
-        <a:font script="Cans" typeface="Euphemia"/>
-        <a:font script="Cher" typeface="Plantagenet Cherokee"/>
-        <a:font script="Yiii" typeface="Microsoft Yi Baiti"/>
-        <a:font script="Tibt" typeface="Microsoft Himalaya"/>
-        <a:font script="Thaa" typeface="MV Boli"/>
-        <a:font script="Deva" typeface="Mangal"/>
-        <a:font script="Telu" typeface="Gautami"/>
-        <a:font script="Taml" typeface="Latha"/>
-        <a:font script="Syrc" typeface="Estrangelo Edessa"/>
-        <a:font script="Orya" typeface="Kalinga"/>
-        <a:font script="Mlym" typeface="Kartika"/>
-        <a:font script="Laoo" typeface="DokChampa"/>
-        <a:font script="Sinh" typeface="Iskoola Pota"/>
-        <a:font script="Mong" typeface="Mongolian Baiti"/>
-        <a:font script="Viet" typeface="Times New Roman"/>
-        <a:font script="Uigh" typeface="Microsoft Uighur"/>
-        <a:font script="Geor" typeface="Sylfaen"/>
-      </a:majorFont>
-      <a:minorFont>
-        <a:latin typeface="Arial"/>
-        <a:ea typeface=""/>
-        <a:cs typeface=""/>
-        <a:font script="Jpan" typeface="ＭＳ Ｐゴシック"/>
-        <a:font script="Hang" typeface="맑은 고딕"/>
-        <a:font script="Hans" typeface="宋体"/>
-        <a:font script="Hant" typeface="新細明體"/>
-        <a:font script="Arab" typeface="Arial"/>
-        <a:font script="Hebr" typeface="Arial"/>
-        <a:font script="Thai" typeface="Cordia New"/>
-        <a:font script="Ethi" typeface="Nyala"/>
-        <a:font script="Beng" typeface="Vrinda"/>
-        <a:font script="Gujr" typeface="Shruti"/>
-        <a:font script="Khmr" typeface="DaunPenh"/>
-        <a:font script="Knda" typeface="Tunga"/>
-        <a:font script="Guru" typeface="Raavi"/>
-        <a:font script="Cans" typeface="Euphemia"/>
-        <a:font script="Cher" typeface="Plantagenet Cherokee"/>
-        <a:font script="Yiii" typeface="Microsoft Yi Baiti"/>
-        <a:font script="Tibt" typeface="Microsoft Himalaya"/>
-        <a:font script="Thaa" typeface="MV Boli"/>
-        <a:font script="Deva" typeface="Mangal"/>
-        <a:font script="Telu" typeface="Gautami"/>
-        <a:font script="Taml" typeface="Latha"/>
-        <a:font script="Syrc" typeface="Estrangelo Edessa"/>
-        <a:font script="Orya" typeface="Kalinga"/>
-        <a:font script="Mlym" typeface="Kartika"/>
-        <a:font script="Laoo" typeface="DokChampa"/>
-        <a:font script="Sinh" typeface="Iskoola Pota"/>
-        <a:font script="Mong" typeface="Mongolian Baiti"/>
-        <a:font script="Viet" typeface="Arial"/>
-        <a:font script="Uigh" typeface="Microsoft Uighur"/>
-        <a:font script="Geor" typeface="Sylfaen"/>
-      </a:minorFont>
-    </a:fontScheme>
-    <a:fmtScheme name="Office">
-      <a:fillStyleLst>
-        <a:solidFill>
-          <a:schemeClr val="phClr"/>
-        </a:solidFill>
-        <a:gradFill rotWithShape="1">
-          <a:gsLst>
-            <a:gs pos="0">
-              <a:schemeClr val="phClr">
-                <a:tint val="50000"/>
-                <a:satMod val="300000"/>
-              </a:schemeClr>
-            </a:gs>
-            <a:gs pos="35000">
-              <a:schemeClr val="phClr">
-                <a:tint val="37000"/>
-                <a:satMod val="300000"/>
-              </a:schemeClr>
-            </a:gs>
-            <a:gs pos="100000">
-              <a:schemeClr val="phClr">
-                <a:tint val="15000"/>
-                <a:satMod val="350000"/>
-              </a:schemeClr>
-            </a:gs>
-          </a:gsLst>
-          <a:lin ang="16200000" scaled="1"/>
-        </a:gradFill>
-        <a:gradFill rotWithShape="1">
-          <a:gsLst>
-            <a:gs pos="0">
-              <a:schemeClr val="phClr">
-                <a:tint val="100000"/>
-                <a:shade val="100000"/>
-                <a:satMod val="130000"/>
-              </a:schemeClr>
-            </a:gs>
-            <a:gs pos="100000">
-              <a:schemeClr val="phClr">
-                <a:tint val="50000"/>
-                <a:shade val="100000"/>
-                <a:satMod val="350000"/>
-              </a:schemeClr>
-            </a:gs>
-          </a:gsLst>
-          <a:lin ang="16200000" scaled="0"/>
-        </a:gradFill>
-      </a:fillStyleLst>
-      <a:lnStyleLst>
-        <a:ln w="9525" cap="flat" cmpd="sng" algn="ctr">
-          <a:solidFill>
-            <a:schemeClr val="phClr">
-              <a:shade val="95000"/>
-              <a:satMod val="105000"/>
-            </a:schemeClr>
-          </a:solidFill>
-          <a:prstDash val="solid"/>
-        </a:ln>
-        <a:ln w="25400" cap="flat" cmpd="sng" algn="ctr">
-          <a:solidFill>
-            <a:schemeClr val="phClr"/>
-          </a:solidFill>
-          <a:prstDash val="solid"/>
-        </a:ln>
-        <a:ln w="38100" cap="flat" cmpd="sng" algn="ctr">
-          <a:solidFill>
-            <a:schemeClr val="phClr"/>
-          </a:solidFill>
-          <a:prstDash val="solid"/>
-        </a:ln>
-      </a:lnStyleLst>
-      <a:effectStyleLst>
-        <a:effectStyle>
-          <a:effectLst>
-            <a:outerShdw blurRad="40000" dist="20000" dir="5400000" rotWithShape="0">
-              <a:srgbClr val="000000">
-                <a:alpha val="38000"/>
-              </a:srgbClr>
-            </a:outerShdw>
-          </a:effectLst>
-        </a:effectStyle>
-        <a:effectStyle>
-          <a:effectLst>
-            <a:outerShdw blurRad="40000" dist="23000" dir="5400000" rotWithShape="0">
-              <a:srgbClr val="000000">
-                <a:alpha val="35000"/>
-              </a:srgbClr>
-            </a:outerShdw>
-          </a:effectLst>
-        </a:effectStyle>
-        <a:effectStyle>
-          <a:effectLst>
-            <a:outerShdw blurRad="40000" dist="23000" dir="5400000" rotWithShape="0">
-              <a:srgbClr val="000000">
-                <a:alpha val="35000"/>
-              </a:srgbClr>
-            </a:outerShdw>
-          </a:effectLst>
-          <a:scene3d>
-            <a:camera prst="orthographicFront">
-              <a:rot lat="0" lon="0" rev="0"/>
-            </a:camera>
-            <a:lightRig rig="threePt" dir="t">
-              <a:rot lat="0" lon="0" rev="1200000"/>
-            </a:lightRig>
-          </a:scene3d>
-          <a:sp3d>
-            <a:bevelT w="63500" h="25400"/>
-          </a:sp3d>
-        </a:effectStyle>
-      </a:effectStyleLst>
-      <a:bgFillStyleLst>
-        <a:solidFill>
-          <a:schemeClr val="phClr"/>
-        </a:solidFill>
-        <a:gradFill rotWithShape="1">
-          <a:gsLst>
-            <a:gs pos="0">
-              <a:schemeClr val="phClr">
-                <a:tint val="40000"/>
-                <a:satMod val="350000"/>
-              </a:schemeClr>
-            </a:gs>
-            <a:gs pos="40000">
-              <a:schemeClr val="phClr">
-                <a:tint val="45000"/>
-                <a:shade val="99000"/>
-                <a:satMod val="350000"/>
-              </a:schemeClr>
-            </a:gs>
-            <a:gs pos="100000">
-              <a:schemeClr val="phClr">
-                <a:shade val="20000"/>
-                <a:satMod val="255000"/>
-              </a:schemeClr>
-            </a:gs>
-          </a:gsLst>
-          <a:path path="circle">
-            <a:fillToRect l="50000" t="-80000" r="50000" b="180000"/>
-          </a:path>
-        </a:gradFill>
-        <a:gradFill rotWithShape="1">
-          <a:gsLst>
-            <a:gs pos="0">
-              <a:schemeClr val="phClr">
-                <a:tint val="80000"/>
-                <a:satMod val="300000"/>
-              </a:schemeClr>
-            </a:gs>
-            <a:gs pos="100000">
-              <a:schemeClr val="phClr">
-                <a:shade val="30000"/>
-                <a:satMod val="200000"/>
-              </a:schemeClr>
-            </a:gs>
-          </a:gsLst>
-          <a:path path="circle">
-            <a:fillToRect l="50000" t="50000" r="50000" b="50000"/>
-          </a:path>
-        </a:gradFill>
-      </a:bgFillStyleLst>
-    </a:fmtScheme>
-  </a:themeElements>
-</a:theme>
 </file>